--- a/Presentation.pptx
+++ b/Presentation.pptx
@@ -815,7 +815,7 @@
   <p:cSld>
     <p:spTree>
       <p:nvGrpSpPr>
-        <p:cNvPr id="122" name="Shape 122"/>
+        <p:cNvPr id="123" name="Shape 123"/>
         <p:cNvGrpSpPr/>
         <p:nvPr/>
       </p:nvGrpSpPr>
@@ -829,7 +829,7 @@
       </p:grpSpPr>
       <p:sp>
         <p:nvSpPr>
-          <p:cNvPr id="123" name="Google Shape;123;g241f7c6270e_0_114:notes"/>
+          <p:cNvPr id="124" name="Google Shape;124;g241f7c6270e_0_114:notes"/>
           <p:cNvSpPr/>
           <p:nvPr>
             <p:ph idx="2" type="sldImg"/>
@@ -864,7 +864,7 @@
       </p:sp>
       <p:sp>
         <p:nvSpPr>
-          <p:cNvPr id="124" name="Google Shape;124;g241f7c6270e_0_114:notes"/>
+          <p:cNvPr id="125" name="Google Shape;125;g241f7c6270e_0_114:notes"/>
           <p:cNvSpPr txBox="1"/>
           <p:nvPr>
             <p:ph idx="1" type="body"/>
@@ -914,7 +914,7 @@
   <p:cSld>
     <p:spTree>
       <p:nvGrpSpPr>
-        <p:cNvPr id="66" name="Shape 66"/>
+        <p:cNvPr id="67" name="Shape 67"/>
         <p:cNvGrpSpPr/>
         <p:nvPr/>
       </p:nvGrpSpPr>
@@ -928,7 +928,7 @@
       </p:grpSpPr>
       <p:sp>
         <p:nvSpPr>
-          <p:cNvPr id="67" name="Google Shape;67;g241f7c6270e_0_55:notes"/>
+          <p:cNvPr id="68" name="Google Shape;68;g241f7c6270e_0_55:notes"/>
           <p:cNvSpPr/>
           <p:nvPr>
             <p:ph idx="2" type="sldImg"/>
@@ -963,7 +963,7 @@
       </p:sp>
       <p:sp>
         <p:nvSpPr>
-          <p:cNvPr id="68" name="Google Shape;68;g241f7c6270e_0_55:notes"/>
+          <p:cNvPr id="69" name="Google Shape;69;g241f7c6270e_0_55:notes"/>
           <p:cNvSpPr txBox="1"/>
           <p:nvPr>
             <p:ph idx="1" type="body"/>
@@ -1013,7 +1013,7 @@
   <p:cSld>
     <p:spTree>
       <p:nvGrpSpPr>
-        <p:cNvPr id="71" name="Shape 71"/>
+        <p:cNvPr id="72" name="Shape 72"/>
         <p:cNvGrpSpPr/>
         <p:nvPr/>
       </p:nvGrpSpPr>
@@ -1027,7 +1027,7 @@
       </p:grpSpPr>
       <p:sp>
         <p:nvSpPr>
-          <p:cNvPr id="72" name="Google Shape;72;g241f7c6270e_0_62:notes"/>
+          <p:cNvPr id="73" name="Google Shape;73;g241f7c6270e_0_62:notes"/>
           <p:cNvSpPr/>
           <p:nvPr>
             <p:ph idx="2" type="sldImg"/>
@@ -1062,7 +1062,7 @@
       </p:sp>
       <p:sp>
         <p:nvSpPr>
-          <p:cNvPr id="73" name="Google Shape;73;g241f7c6270e_0_62:notes"/>
+          <p:cNvPr id="74" name="Google Shape;74;g241f7c6270e_0_62:notes"/>
           <p:cNvSpPr txBox="1"/>
           <p:nvPr>
             <p:ph idx="1" type="body"/>
@@ -1112,7 +1112,7 @@
   <p:cSld>
     <p:spTree>
       <p:nvGrpSpPr>
-        <p:cNvPr id="79" name="Shape 79"/>
+        <p:cNvPr id="80" name="Shape 80"/>
         <p:cNvGrpSpPr/>
         <p:nvPr/>
       </p:nvGrpSpPr>
@@ -1126,7 +1126,7 @@
       </p:grpSpPr>
       <p:sp>
         <p:nvSpPr>
-          <p:cNvPr id="80" name="Google Shape;80;g241f7c6270e_0_71:notes"/>
+          <p:cNvPr id="81" name="Google Shape;81;g241f7c6270e_0_71:notes"/>
           <p:cNvSpPr/>
           <p:nvPr>
             <p:ph idx="2" type="sldImg"/>
@@ -1161,7 +1161,7 @@
       </p:sp>
       <p:sp>
         <p:nvSpPr>
-          <p:cNvPr id="81" name="Google Shape;81;g241f7c6270e_0_71:notes"/>
+          <p:cNvPr id="82" name="Google Shape;82;g241f7c6270e_0_71:notes"/>
           <p:cNvSpPr txBox="1"/>
           <p:nvPr>
             <p:ph idx="1" type="body"/>
@@ -1211,7 +1211,7 @@
   <p:cSld>
     <p:spTree>
       <p:nvGrpSpPr>
-        <p:cNvPr id="86" name="Shape 86"/>
+        <p:cNvPr id="87" name="Shape 87"/>
         <p:cNvGrpSpPr/>
         <p:nvPr/>
       </p:nvGrpSpPr>
@@ -1225,7 +1225,7 @@
       </p:grpSpPr>
       <p:sp>
         <p:nvSpPr>
-          <p:cNvPr id="87" name="Google Shape;87;g241f7c6270e_0_77:notes"/>
+          <p:cNvPr id="88" name="Google Shape;88;g241f7c6270e_0_77:notes"/>
           <p:cNvSpPr/>
           <p:nvPr>
             <p:ph idx="2" type="sldImg"/>
@@ -1260,7 +1260,7 @@
       </p:sp>
       <p:sp>
         <p:nvSpPr>
-          <p:cNvPr id="88" name="Google Shape;88;g241f7c6270e_0_77:notes"/>
+          <p:cNvPr id="89" name="Google Shape;89;g241f7c6270e_0_77:notes"/>
           <p:cNvSpPr txBox="1"/>
           <p:nvPr>
             <p:ph idx="1" type="body"/>
@@ -1310,7 +1310,7 @@
   <p:cSld>
     <p:spTree>
       <p:nvGrpSpPr>
-        <p:cNvPr id="92" name="Shape 92"/>
+        <p:cNvPr id="93" name="Shape 93"/>
         <p:cNvGrpSpPr/>
         <p:nvPr/>
       </p:nvGrpSpPr>
@@ -1324,7 +1324,7 @@
       </p:grpSpPr>
       <p:sp>
         <p:nvSpPr>
-          <p:cNvPr id="93" name="Google Shape;93;g241f7c6270e_0_84:notes"/>
+          <p:cNvPr id="94" name="Google Shape;94;g241f7c6270e_0_84:notes"/>
           <p:cNvSpPr/>
           <p:nvPr>
             <p:ph idx="2" type="sldImg"/>
@@ -1359,7 +1359,7 @@
       </p:sp>
       <p:sp>
         <p:nvSpPr>
-          <p:cNvPr id="94" name="Google Shape;94;g241f7c6270e_0_84:notes"/>
+          <p:cNvPr id="95" name="Google Shape;95;g241f7c6270e_0_84:notes"/>
           <p:cNvSpPr txBox="1"/>
           <p:nvPr>
             <p:ph idx="1" type="body"/>
@@ -1409,7 +1409,7 @@
   <p:cSld>
     <p:spTree>
       <p:nvGrpSpPr>
-        <p:cNvPr id="101" name="Shape 101"/>
+        <p:cNvPr id="102" name="Shape 102"/>
         <p:cNvGrpSpPr/>
         <p:nvPr/>
       </p:nvGrpSpPr>
@@ -1423,7 +1423,7 @@
       </p:grpSpPr>
       <p:sp>
         <p:nvSpPr>
-          <p:cNvPr id="102" name="Google Shape;102;g241f7c6270e_0_92:notes"/>
+          <p:cNvPr id="103" name="Google Shape;103;g241f7c6270e_0_92:notes"/>
           <p:cNvSpPr/>
           <p:nvPr>
             <p:ph idx="2" type="sldImg"/>
@@ -1458,7 +1458,7 @@
       </p:sp>
       <p:sp>
         <p:nvSpPr>
-          <p:cNvPr id="103" name="Google Shape;103;g241f7c6270e_0_92:notes"/>
+          <p:cNvPr id="104" name="Google Shape;104;g241f7c6270e_0_92:notes"/>
           <p:cNvSpPr txBox="1"/>
           <p:nvPr>
             <p:ph idx="1" type="body"/>
@@ -1508,7 +1508,7 @@
   <p:cSld>
     <p:spTree>
       <p:nvGrpSpPr>
-        <p:cNvPr id="109" name="Shape 109"/>
+        <p:cNvPr id="110" name="Shape 110"/>
         <p:cNvGrpSpPr/>
         <p:nvPr/>
       </p:nvGrpSpPr>
@@ -1522,7 +1522,7 @@
       </p:grpSpPr>
       <p:sp>
         <p:nvSpPr>
-          <p:cNvPr id="110" name="Google Shape;110;g241f7c6270e_0_99:notes"/>
+          <p:cNvPr id="111" name="Google Shape;111;g241f7c6270e_0_99:notes"/>
           <p:cNvSpPr/>
           <p:nvPr>
             <p:ph idx="2" type="sldImg"/>
@@ -1557,7 +1557,7 @@
       </p:sp>
       <p:sp>
         <p:nvSpPr>
-          <p:cNvPr id="111" name="Google Shape;111;g241f7c6270e_0_99:notes"/>
+          <p:cNvPr id="112" name="Google Shape;112;g241f7c6270e_0_99:notes"/>
           <p:cNvSpPr txBox="1"/>
           <p:nvPr>
             <p:ph idx="1" type="body"/>
@@ -1607,7 +1607,7 @@
   <p:cSld>
     <p:spTree>
       <p:nvGrpSpPr>
-        <p:cNvPr id="117" name="Shape 117"/>
+        <p:cNvPr id="118" name="Shape 118"/>
         <p:cNvGrpSpPr/>
         <p:nvPr/>
       </p:nvGrpSpPr>
@@ -1621,7 +1621,7 @@
       </p:grpSpPr>
       <p:sp>
         <p:nvSpPr>
-          <p:cNvPr id="118" name="Google Shape;118;g241f7c6270e_0_107:notes"/>
+          <p:cNvPr id="119" name="Google Shape;119;g241f7c6270e_0_107:notes"/>
           <p:cNvSpPr/>
           <p:nvPr>
             <p:ph idx="2" type="sldImg"/>
@@ -1656,7 +1656,7 @@
       </p:sp>
       <p:sp>
         <p:nvSpPr>
-          <p:cNvPr id="119" name="Google Shape;119;g241f7c6270e_0_107:notes"/>
+          <p:cNvPr id="120" name="Google Shape;120;g241f7c6270e_0_107:notes"/>
           <p:cNvSpPr txBox="1"/>
           <p:nvPr>
             <p:ph idx="1" type="body"/>
@@ -7763,7 +7763,7 @@
         </p:nvSpPr>
         <p:spPr>
           <a:xfrm>
-            <a:off x="1226100" y="996925"/>
+            <a:off x="1264500" y="956000"/>
             <a:ext cx="3307500" cy="1282500"/>
           </a:xfrm>
           <a:prstGeom prst="rect">
@@ -7772,7 +7772,7 @@
         </p:spPr>
         <p:txBody>
           <a:bodyPr anchorCtr="0" anchor="t" bIns="91425" lIns="91425" spcFirstLastPara="1" rIns="91425" wrap="square" tIns="91425">
-            <a:normAutofit/>
+            <a:normAutofit fontScale="90000"/>
           </a:bodyPr>
           <a:lstStyle/>
           <a:p>
@@ -7788,6 +7788,21 @@
             <a:r>
               <a:rPr b="1" lang="es" sz="3700"/>
               <a:t>Deliverable 2</a:t>
+            </a:r>
+            <a:endParaRPr b="1" sz="3700"/>
+          </a:p>
+          <a:p>
+            <a:pPr indent="0" lvl="0" marL="0" rtl="0" algn="l">
+              <a:spcBef>
+                <a:spcPts val="0"/>
+              </a:spcBef>
+              <a:spcAft>
+                <a:spcPts val="0"/>
+              </a:spcAft>
+              <a:buNone/>
+            </a:pPr>
+            <a:r>
+              <a:t/>
             </a:r>
             <a:endParaRPr b="1" sz="3700"/>
           </a:p>
@@ -7929,6 +7944,63 @@
           </a:p>
         </p:txBody>
       </p:sp>
+      <p:sp>
+        <p:nvSpPr>
+          <p:cNvPr id="66" name="Google Shape;66;p13"/>
+          <p:cNvSpPr txBox="1"/>
+          <p:nvPr>
+            <p:ph type="ctrTitle"/>
+          </p:nvPr>
+        </p:nvSpPr>
+        <p:spPr>
+          <a:xfrm>
+            <a:off x="219300" y="2742325"/>
+            <a:ext cx="4352700" cy="339600"/>
+          </a:xfrm>
+          <a:prstGeom prst="rect">
+            <a:avLst/>
+          </a:prstGeom>
+        </p:spPr>
+        <p:txBody>
+          <a:bodyPr anchorCtr="0" anchor="t" bIns="91425" lIns="91425" spcFirstLastPara="1" rIns="91425" wrap="square" tIns="91425">
+            <a:noAutofit/>
+          </a:bodyPr>
+          <a:lstStyle/>
+          <a:p>
+            <a:pPr indent="0" lvl="0" marL="0" rtl="0" algn="l">
+              <a:spcBef>
+                <a:spcPts val="0"/>
+              </a:spcBef>
+              <a:spcAft>
+                <a:spcPts val="0"/>
+              </a:spcAft>
+              <a:buSzPts val="990"/>
+              <a:buNone/>
+            </a:pPr>
+            <a:r>
+              <a:rPr b="1" lang="es" sz="1230"/>
+              <a:t>https://github.com/LonelyRick/second-deliverable</a:t>
+            </a:r>
+            <a:endParaRPr b="1" sz="1230"/>
+          </a:p>
+          <a:p>
+            <a:pPr indent="0" lvl="0" marL="0" rtl="0" algn="l">
+              <a:spcBef>
+                <a:spcPts val="0"/>
+              </a:spcBef>
+              <a:spcAft>
+                <a:spcPts val="0"/>
+              </a:spcAft>
+              <a:buSzPts val="990"/>
+              <a:buNone/>
+            </a:pPr>
+            <a:r>
+              <a:t/>
+            </a:r>
+            <a:endParaRPr b="1" sz="3330"/>
+          </a:p>
+        </p:txBody>
+      </p:sp>
     </p:spTree>
   </p:cSld>
   <p:clrMapOvr>
@@ -7942,7 +8014,7 @@
   <p:cSld>
     <p:spTree>
       <p:nvGrpSpPr>
-        <p:cNvPr id="125" name="Shape 125"/>
+        <p:cNvPr id="126" name="Shape 126"/>
         <p:cNvGrpSpPr/>
         <p:nvPr/>
       </p:nvGrpSpPr>
@@ -7956,7 +8028,7 @@
       </p:grpSpPr>
       <p:sp>
         <p:nvSpPr>
-          <p:cNvPr id="126" name="Google Shape;126;p22"/>
+          <p:cNvPr id="127" name="Google Shape;127;p22"/>
           <p:cNvSpPr txBox="1"/>
           <p:nvPr>
             <p:ph type="title"/>
@@ -8008,7 +8080,7 @@
   <p:cSld>
     <p:spTree>
       <p:nvGrpSpPr>
-        <p:cNvPr id="69" name="Shape 69"/>
+        <p:cNvPr id="70" name="Shape 70"/>
         <p:cNvGrpSpPr/>
         <p:nvPr/>
       </p:nvGrpSpPr>
@@ -8022,7 +8094,7 @@
       </p:grpSpPr>
       <p:sp>
         <p:nvSpPr>
-          <p:cNvPr id="70" name="Google Shape;70;p14"/>
+          <p:cNvPr id="71" name="Google Shape;71;p14"/>
           <p:cNvSpPr txBox="1"/>
           <p:nvPr>
             <p:ph type="title"/>
@@ -8074,7 +8146,7 @@
   <p:cSld>
     <p:spTree>
       <p:nvGrpSpPr>
-        <p:cNvPr id="74" name="Shape 74"/>
+        <p:cNvPr id="75" name="Shape 75"/>
         <p:cNvGrpSpPr/>
         <p:nvPr/>
       </p:nvGrpSpPr>
@@ -8088,7 +8160,7 @@
       </p:grpSpPr>
       <p:sp>
         <p:nvSpPr>
-          <p:cNvPr id="75" name="Google Shape;75;p15"/>
+          <p:cNvPr id="76" name="Google Shape;76;p15"/>
           <p:cNvSpPr txBox="1"/>
           <p:nvPr>
             <p:ph type="title"/>
@@ -8128,7 +8200,7 @@
       </p:sp>
       <p:sp>
         <p:nvSpPr>
-          <p:cNvPr id="76" name="Google Shape;76;p15"/>
+          <p:cNvPr id="77" name="Google Shape;77;p15"/>
           <p:cNvSpPr txBox="1"/>
           <p:nvPr/>
         </p:nvSpPr>
@@ -8292,7 +8364,7 @@
       </p:sp>
       <p:pic>
         <p:nvPicPr>
-          <p:cNvPr id="77" name="Google Shape;77;p15"/>
+          <p:cNvPr id="78" name="Google Shape;78;p15"/>
           <p:cNvPicPr preferRelativeResize="0"/>
           <p:nvPr/>
         </p:nvPicPr>
@@ -8320,7 +8392,7 @@
       </p:pic>
       <p:pic>
         <p:nvPicPr>
-          <p:cNvPr id="78" name="Google Shape;78;p15"/>
+          <p:cNvPr id="79" name="Google Shape;79;p15"/>
           <p:cNvPicPr preferRelativeResize="0"/>
           <p:nvPr/>
         </p:nvPicPr>
@@ -8358,7 +8430,7 @@
   <p:cSld>
     <p:spTree>
       <p:nvGrpSpPr>
-        <p:cNvPr id="82" name="Shape 82"/>
+        <p:cNvPr id="83" name="Shape 83"/>
         <p:cNvGrpSpPr/>
         <p:nvPr/>
       </p:nvGrpSpPr>
@@ -8372,7 +8444,7 @@
       </p:grpSpPr>
       <p:sp>
         <p:nvSpPr>
-          <p:cNvPr id="83" name="Google Shape;83;p16"/>
+          <p:cNvPr id="84" name="Google Shape;84;p16"/>
           <p:cNvSpPr txBox="1"/>
           <p:nvPr>
             <p:ph type="title"/>
@@ -8412,7 +8484,7 @@
       </p:sp>
       <p:sp>
         <p:nvSpPr>
-          <p:cNvPr id="84" name="Google Shape;84;p16"/>
+          <p:cNvPr id="85" name="Google Shape;85;p16"/>
           <p:cNvSpPr txBox="1"/>
           <p:nvPr>
             <p:ph idx="1" type="body"/>
@@ -8520,7 +8592,7 @@
       </p:sp>
       <p:pic>
         <p:nvPicPr>
-          <p:cNvPr id="85" name="Google Shape;85;p16"/>
+          <p:cNvPr id="86" name="Google Shape;86;p16"/>
           <p:cNvPicPr preferRelativeResize="0"/>
           <p:nvPr/>
         </p:nvPicPr>
@@ -8559,7 +8631,7 @@
   <p:cSld>
     <p:spTree>
       <p:nvGrpSpPr>
-        <p:cNvPr id="89" name="Shape 89"/>
+        <p:cNvPr id="90" name="Shape 90"/>
         <p:cNvGrpSpPr/>
         <p:nvPr/>
       </p:nvGrpSpPr>
@@ -8573,7 +8645,7 @@
       </p:grpSpPr>
       <p:sp>
         <p:nvSpPr>
-          <p:cNvPr id="90" name="Google Shape;90;p17"/>
+          <p:cNvPr id="91" name="Google Shape;91;p17"/>
           <p:cNvSpPr txBox="1"/>
           <p:nvPr>
             <p:ph type="title"/>
@@ -8613,7 +8685,7 @@
       </p:sp>
       <p:pic>
         <p:nvPicPr>
-          <p:cNvPr id="91" name="Google Shape;91;p17"/>
+          <p:cNvPr id="92" name="Google Shape;92;p17"/>
           <p:cNvPicPr preferRelativeResize="0"/>
           <p:nvPr/>
         </p:nvPicPr>
@@ -8652,7 +8724,7 @@
   <p:cSld>
     <p:spTree>
       <p:nvGrpSpPr>
-        <p:cNvPr id="95" name="Shape 95"/>
+        <p:cNvPr id="96" name="Shape 96"/>
         <p:cNvGrpSpPr/>
         <p:nvPr/>
       </p:nvGrpSpPr>
@@ -8666,7 +8738,7 @@
       </p:grpSpPr>
       <p:sp>
         <p:nvSpPr>
-          <p:cNvPr id="96" name="Google Shape;96;p18"/>
+          <p:cNvPr id="97" name="Google Shape;97;p18"/>
           <p:cNvSpPr txBox="1"/>
           <p:nvPr/>
         </p:nvSpPr>
@@ -8718,7 +8790,7 @@
       </p:sp>
       <p:sp>
         <p:nvSpPr>
-          <p:cNvPr id="97" name="Google Shape;97;p18"/>
+          <p:cNvPr id="98" name="Google Shape;98;p18"/>
           <p:cNvSpPr txBox="1"/>
           <p:nvPr/>
         </p:nvSpPr>
@@ -8776,7 +8848,7 @@
       </p:sp>
       <p:pic>
         <p:nvPicPr>
-          <p:cNvPr id="98" name="Google Shape;98;p18"/>
+          <p:cNvPr id="99" name="Google Shape;99;p18"/>
           <p:cNvPicPr preferRelativeResize="0"/>
           <p:nvPr/>
         </p:nvPicPr>
@@ -8804,7 +8876,7 @@
       </p:pic>
       <p:pic>
         <p:nvPicPr>
-          <p:cNvPr id="99" name="Google Shape;99;p18"/>
+          <p:cNvPr id="100" name="Google Shape;100;p18"/>
           <p:cNvPicPr preferRelativeResize="0"/>
           <p:nvPr/>
         </p:nvPicPr>
@@ -8832,7 +8904,7 @@
       </p:pic>
       <p:sp>
         <p:nvSpPr>
-          <p:cNvPr id="100" name="Google Shape;100;p18"/>
+          <p:cNvPr id="101" name="Google Shape;101;p18"/>
           <p:cNvSpPr txBox="1"/>
           <p:nvPr/>
         </p:nvSpPr>
@@ -9164,7 +9236,7 @@
   <p:cSld>
     <p:spTree>
       <p:nvGrpSpPr>
-        <p:cNvPr id="104" name="Shape 104"/>
+        <p:cNvPr id="105" name="Shape 105"/>
         <p:cNvGrpSpPr/>
         <p:nvPr/>
       </p:nvGrpSpPr>
@@ -9178,7 +9250,7 @@
       </p:grpSpPr>
       <p:sp>
         <p:nvSpPr>
-          <p:cNvPr id="105" name="Google Shape;105;p19"/>
+          <p:cNvPr id="106" name="Google Shape;106;p19"/>
           <p:cNvSpPr txBox="1"/>
           <p:nvPr>
             <p:ph type="title"/>
@@ -9218,7 +9290,7 @@
       </p:sp>
       <p:sp>
         <p:nvSpPr>
-          <p:cNvPr id="106" name="Google Shape;106;p19"/>
+          <p:cNvPr id="107" name="Google Shape;107;p19"/>
           <p:cNvSpPr txBox="1"/>
           <p:nvPr/>
         </p:nvSpPr>
@@ -9301,7 +9373,7 @@
       </p:sp>
       <p:pic>
         <p:nvPicPr>
-          <p:cNvPr id="107" name="Google Shape;107;p19"/>
+          <p:cNvPr id="108" name="Google Shape;108;p19"/>
           <p:cNvPicPr preferRelativeResize="0"/>
           <p:nvPr/>
         </p:nvPicPr>
@@ -9329,7 +9401,7 @@
       </p:pic>
       <p:pic>
         <p:nvPicPr>
-          <p:cNvPr id="108" name="Google Shape;108;p19"/>
+          <p:cNvPr id="109" name="Google Shape;109;p19"/>
           <p:cNvPicPr preferRelativeResize="0"/>
           <p:nvPr/>
         </p:nvPicPr>
@@ -9368,7 +9440,7 @@
   <p:cSld>
     <p:spTree>
       <p:nvGrpSpPr>
-        <p:cNvPr id="112" name="Shape 112"/>
+        <p:cNvPr id="113" name="Shape 113"/>
         <p:cNvGrpSpPr/>
         <p:nvPr/>
       </p:nvGrpSpPr>
@@ -9382,7 +9454,7 @@
       </p:grpSpPr>
       <p:sp>
         <p:nvSpPr>
-          <p:cNvPr id="113" name="Google Shape;113;p20"/>
+          <p:cNvPr id="114" name="Google Shape;114;p20"/>
           <p:cNvSpPr txBox="1"/>
           <p:nvPr>
             <p:ph type="title"/>
@@ -9422,7 +9494,7 @@
       </p:sp>
       <p:sp>
         <p:nvSpPr>
-          <p:cNvPr id="114" name="Google Shape;114;p20"/>
+          <p:cNvPr id="115" name="Google Shape;115;p20"/>
           <p:cNvSpPr txBox="1"/>
           <p:nvPr/>
         </p:nvSpPr>
@@ -9732,7 +9804,7 @@
       </p:sp>
       <p:pic>
         <p:nvPicPr>
-          <p:cNvPr id="115" name="Google Shape;115;p20"/>
+          <p:cNvPr id="116" name="Google Shape;116;p20"/>
           <p:cNvPicPr preferRelativeResize="0"/>
           <p:nvPr/>
         </p:nvPicPr>
@@ -9760,7 +9832,7 @@
       </p:pic>
       <p:sp>
         <p:nvSpPr>
-          <p:cNvPr id="116" name="Google Shape;116;p20"/>
+          <p:cNvPr id="117" name="Google Shape;117;p20"/>
           <p:cNvSpPr txBox="1"/>
           <p:nvPr/>
         </p:nvSpPr>
@@ -9856,7 +9928,7 @@
     </p:bg>
     <p:spTree>
       <p:nvGrpSpPr>
-        <p:cNvPr id="120" name="Shape 120"/>
+        <p:cNvPr id="121" name="Shape 121"/>
         <p:cNvGrpSpPr/>
         <p:nvPr/>
       </p:nvGrpSpPr>
@@ -9870,7 +9942,7 @@
       </p:grpSpPr>
       <p:sp>
         <p:nvSpPr>
-          <p:cNvPr id="121" name="Google Shape;121;p21"/>
+          <p:cNvPr id="122" name="Google Shape;122;p21"/>
           <p:cNvSpPr txBox="1"/>
           <p:nvPr>
             <p:ph type="title"/>
@@ -9951,6 +10023,285 @@
 </file>
 
 <file path=ppt/theme/theme1.xml><?xml version="1.0" encoding="utf-8"?>
+<a:theme xmlns:a="http://schemas.openxmlformats.org/drawingml/2006/main" xmlns:r="http://schemas.openxmlformats.org/officeDocument/2006/relationships" name="Paradigm">
+  <a:themeElements>
+    <a:clrScheme name="Paradigm">
+      <a:dk1>
+        <a:srgbClr val="31394D"/>
+      </a:dk1>
+      <a:lt1>
+        <a:srgbClr val="FFFFFF"/>
+      </a:lt1>
+      <a:dk2>
+        <a:srgbClr val="666666"/>
+      </a:dk2>
+      <a:lt2>
+        <a:srgbClr val="626B73"/>
+      </a:lt2>
+      <a:accent1>
+        <a:srgbClr val="002F4A"/>
+      </a:accent1>
+      <a:accent2>
+        <a:srgbClr val="D9C4B1"/>
+      </a:accent2>
+      <a:accent3>
+        <a:srgbClr val="EDE3DA"/>
+      </a:accent3>
+      <a:accent4>
+        <a:srgbClr val="B85741"/>
+      </a:accent4>
+      <a:accent5>
+        <a:srgbClr val="009384"/>
+      </a:accent5>
+      <a:accent6>
+        <a:srgbClr val="D0F6FF"/>
+      </a:accent6>
+      <a:hlink>
+        <a:srgbClr val="009384"/>
+      </a:hlink>
+      <a:folHlink>
+        <a:srgbClr val="009384"/>
+      </a:folHlink>
+    </a:clrScheme>
+    <a:fontScheme name="Office">
+      <a:majorFont>
+        <a:latin typeface="Arial"/>
+        <a:ea typeface=""/>
+        <a:cs typeface=""/>
+        <a:font script="Jpan" typeface="ＭＳ Ｐゴシック"/>
+        <a:font script="Hang" typeface="맑은 고딕"/>
+        <a:font script="Hans" typeface="宋体"/>
+        <a:font script="Hant" typeface="新細明體"/>
+        <a:font script="Arab" typeface="Times New Roman"/>
+        <a:font script="Hebr" typeface="Times New Roman"/>
+        <a:font script="Thai" typeface="Angsana New"/>
+        <a:font script="Ethi" typeface="Nyala"/>
+        <a:font script="Beng" typeface="Vrinda"/>
+        <a:font script="Gujr" typeface="Shruti"/>
+        <a:font script="Khmr" typeface="MoolBoran"/>
+        <a:font script="Knda" typeface="Tunga"/>
+        <a:font script="Guru" typeface="Raavi"/>
+        <a:font script="Cans" typeface="Euphemia"/>
+        <a:font script="Cher" typeface="Plantagenet Cherokee"/>
+        <a:font script="Yiii" typeface="Microsoft Yi Baiti"/>
+        <a:font script="Tibt" typeface="Microsoft Himalaya"/>
+        <a:font script="Thaa" typeface="MV Boli"/>
+        <a:font script="Deva" typeface="Mangal"/>
+        <a:font script="Telu" typeface="Gautami"/>
+        <a:font script="Taml" typeface="Latha"/>
+        <a:font script="Syrc" typeface="Estrangelo Edessa"/>
+        <a:font script="Orya" typeface="Kalinga"/>
+        <a:font script="Mlym" typeface="Kartika"/>
+        <a:font script="Laoo" typeface="DokChampa"/>
+        <a:font script="Sinh" typeface="Iskoola Pota"/>
+        <a:font script="Mong" typeface="Mongolian Baiti"/>
+        <a:font script="Viet" typeface="Times New Roman"/>
+        <a:font script="Uigh" typeface="Microsoft Uighur"/>
+        <a:font script="Geor" typeface="Sylfaen"/>
+      </a:majorFont>
+      <a:minorFont>
+        <a:latin typeface="Arial"/>
+        <a:ea typeface=""/>
+        <a:cs typeface=""/>
+        <a:font script="Jpan" typeface="ＭＳ Ｐゴシック"/>
+        <a:font script="Hang" typeface="맑은 고딕"/>
+        <a:font script="Hans" typeface="宋体"/>
+        <a:font script="Hant" typeface="新細明體"/>
+        <a:font script="Arab" typeface="Arial"/>
+        <a:font script="Hebr" typeface="Arial"/>
+        <a:font script="Thai" typeface="Cordia New"/>
+        <a:font script="Ethi" typeface="Nyala"/>
+        <a:font script="Beng" typeface="Vrinda"/>
+        <a:font script="Gujr" typeface="Shruti"/>
+        <a:font script="Khmr" typeface="DaunPenh"/>
+        <a:font script="Knda" typeface="Tunga"/>
+        <a:font script="Guru" typeface="Raavi"/>
+        <a:font script="Cans" typeface="Euphemia"/>
+        <a:font script="Cher" typeface="Plantagenet Cherokee"/>
+        <a:font script="Yiii" typeface="Microsoft Yi Baiti"/>
+        <a:font script="Tibt" typeface="Microsoft Himalaya"/>
+        <a:font script="Thaa" typeface="MV Boli"/>
+        <a:font script="Deva" typeface="Mangal"/>
+        <a:font script="Telu" typeface="Gautami"/>
+        <a:font script="Taml" typeface="Latha"/>
+        <a:font script="Syrc" typeface="Estrangelo Edessa"/>
+        <a:font script="Orya" typeface="Kalinga"/>
+        <a:font script="Mlym" typeface="Kartika"/>
+        <a:font script="Laoo" typeface="DokChampa"/>
+        <a:font script="Sinh" typeface="Iskoola Pota"/>
+        <a:font script="Mong" typeface="Mongolian Baiti"/>
+        <a:font script="Viet" typeface="Arial"/>
+        <a:font script="Uigh" typeface="Microsoft Uighur"/>
+        <a:font script="Geor" typeface="Sylfaen"/>
+      </a:minorFont>
+    </a:fontScheme>
+    <a:fmtScheme name="Office">
+      <a:fillStyleLst>
+        <a:solidFill>
+          <a:schemeClr val="phClr"/>
+        </a:solidFill>
+        <a:gradFill rotWithShape="1">
+          <a:gsLst>
+            <a:gs pos="0">
+              <a:schemeClr val="phClr">
+                <a:tint val="50000"/>
+                <a:satMod val="300000"/>
+              </a:schemeClr>
+            </a:gs>
+            <a:gs pos="35000">
+              <a:schemeClr val="phClr">
+                <a:tint val="37000"/>
+                <a:satMod val="300000"/>
+              </a:schemeClr>
+            </a:gs>
+            <a:gs pos="100000">
+              <a:schemeClr val="phClr">
+                <a:tint val="15000"/>
+                <a:satMod val="350000"/>
+              </a:schemeClr>
+            </a:gs>
+          </a:gsLst>
+          <a:lin ang="16200000" scaled="1"/>
+        </a:gradFill>
+        <a:gradFill rotWithShape="1">
+          <a:gsLst>
+            <a:gs pos="0">
+              <a:schemeClr val="phClr">
+                <a:tint val="100000"/>
+                <a:shade val="100000"/>
+                <a:satMod val="130000"/>
+              </a:schemeClr>
+            </a:gs>
+            <a:gs pos="100000">
+              <a:schemeClr val="phClr">
+                <a:tint val="50000"/>
+                <a:shade val="100000"/>
+                <a:satMod val="350000"/>
+              </a:schemeClr>
+            </a:gs>
+          </a:gsLst>
+          <a:lin ang="16200000" scaled="0"/>
+        </a:gradFill>
+      </a:fillStyleLst>
+      <a:lnStyleLst>
+        <a:ln w="9525" cap="flat" cmpd="sng" algn="ctr">
+          <a:solidFill>
+            <a:schemeClr val="phClr">
+              <a:shade val="95000"/>
+              <a:satMod val="105000"/>
+            </a:schemeClr>
+          </a:solidFill>
+          <a:prstDash val="solid"/>
+        </a:ln>
+        <a:ln w="25400" cap="flat" cmpd="sng" algn="ctr">
+          <a:solidFill>
+            <a:schemeClr val="phClr"/>
+          </a:solidFill>
+          <a:prstDash val="solid"/>
+        </a:ln>
+        <a:ln w="38100" cap="flat" cmpd="sng" algn="ctr">
+          <a:solidFill>
+            <a:schemeClr val="phClr"/>
+          </a:solidFill>
+          <a:prstDash val="solid"/>
+        </a:ln>
+      </a:lnStyleLst>
+      <a:effectStyleLst>
+        <a:effectStyle>
+          <a:effectLst>
+            <a:outerShdw blurRad="40000" dist="20000" dir="5400000" rotWithShape="0">
+              <a:srgbClr val="000000">
+                <a:alpha val="38000"/>
+              </a:srgbClr>
+            </a:outerShdw>
+          </a:effectLst>
+        </a:effectStyle>
+        <a:effectStyle>
+          <a:effectLst>
+            <a:outerShdw blurRad="40000" dist="23000" dir="5400000" rotWithShape="0">
+              <a:srgbClr val="000000">
+                <a:alpha val="35000"/>
+              </a:srgbClr>
+            </a:outerShdw>
+          </a:effectLst>
+        </a:effectStyle>
+        <a:effectStyle>
+          <a:effectLst>
+            <a:outerShdw blurRad="40000" dist="23000" dir="5400000" rotWithShape="0">
+              <a:srgbClr val="000000">
+                <a:alpha val="35000"/>
+              </a:srgbClr>
+            </a:outerShdw>
+          </a:effectLst>
+          <a:scene3d>
+            <a:camera prst="orthographicFront">
+              <a:rot lat="0" lon="0" rev="0"/>
+            </a:camera>
+            <a:lightRig rig="threePt" dir="t">
+              <a:rot lat="0" lon="0" rev="1200000"/>
+            </a:lightRig>
+          </a:scene3d>
+          <a:sp3d>
+            <a:bevelT w="63500" h="25400"/>
+          </a:sp3d>
+        </a:effectStyle>
+      </a:effectStyleLst>
+      <a:bgFillStyleLst>
+        <a:solidFill>
+          <a:schemeClr val="phClr"/>
+        </a:solidFill>
+        <a:gradFill rotWithShape="1">
+          <a:gsLst>
+            <a:gs pos="0">
+              <a:schemeClr val="phClr">
+                <a:tint val="40000"/>
+                <a:satMod val="350000"/>
+              </a:schemeClr>
+            </a:gs>
+            <a:gs pos="40000">
+              <a:schemeClr val="phClr">
+                <a:tint val="45000"/>
+                <a:shade val="99000"/>
+                <a:satMod val="350000"/>
+              </a:schemeClr>
+            </a:gs>
+            <a:gs pos="100000">
+              <a:schemeClr val="phClr">
+                <a:shade val="20000"/>
+                <a:satMod val="255000"/>
+              </a:schemeClr>
+            </a:gs>
+          </a:gsLst>
+          <a:path path="circle">
+            <a:fillToRect l="50000" t="-80000" r="50000" b="180000"/>
+          </a:path>
+        </a:gradFill>
+        <a:gradFill rotWithShape="1">
+          <a:gsLst>
+            <a:gs pos="0">
+              <a:schemeClr val="phClr">
+                <a:tint val="80000"/>
+                <a:satMod val="300000"/>
+              </a:schemeClr>
+            </a:gs>
+            <a:gs pos="100000">
+              <a:schemeClr val="phClr">
+                <a:shade val="30000"/>
+                <a:satMod val="200000"/>
+              </a:schemeClr>
+            </a:gs>
+          </a:gsLst>
+          <a:path path="circle">
+            <a:fillToRect l="50000" t="50000" r="50000" b="50000"/>
+          </a:path>
+        </a:gradFill>
+      </a:bgFillStyleLst>
+    </a:fmtScheme>
+  </a:themeElements>
+</a:theme>
+</file>
+
+<file path=ppt/theme/theme2.xml><?xml version="1.0" encoding="utf-8"?>
 <a:theme xmlns:a="http://schemas.openxmlformats.org/drawingml/2006/main" xmlns:r="http://schemas.openxmlformats.org/officeDocument/2006/relationships">
   <a:themeElements>
     <a:clrScheme name="Default">
@@ -10227,283 +10578,4 @@
     </a:fmtScheme>
   </a:themeElements>
 </a:theme>
-</file>
-
-<file path=ppt/theme/theme2.xml><?xml version="1.0" encoding="utf-8"?>
-<a:theme xmlns:a="http://schemas.openxmlformats.org/drawingml/2006/main" xmlns:r="http://schemas.openxmlformats.org/officeDocument/2006/relationships" name="Paradigm">
-  <a:themeElements>
-    <a:clrScheme name="Paradigm">
-      <a:dk1>
-        <a:srgbClr val="31394D"/>
-      </a:dk1>
-      <a:lt1>
-        <a:srgbClr val="FFFFFF"/>
-      </a:lt1>
-      <a:dk2>
-        <a:srgbClr val="666666"/>
-      </a:dk2>
-      <a:lt2>
-        <a:srgbClr val="626B73"/>
-      </a:lt2>
-      <a:accent1>
-        <a:srgbClr val="002F4A"/>
-      </a:accent1>
-      <a:accent2>
-        <a:srgbClr val="D9C4B1"/>
-      </a:accent2>
-      <a:accent3>
-        <a:srgbClr val="EDE3DA"/>
-      </a:accent3>
-      <a:accent4>
-        <a:srgbClr val="B85741"/>
-      </a:accent4>
-      <a:accent5>
-        <a:srgbClr val="009384"/>
-      </a:accent5>
-      <a:accent6>
-        <a:srgbClr val="D0F6FF"/>
-      </a:accent6>
-      <a:hlink>
-        <a:srgbClr val="009384"/>
-      </a:hlink>
-      <a:folHlink>
-        <a:srgbClr val="009384"/>
-      </a:folHlink>
-    </a:clrScheme>
-    <a:fontScheme name="Office">
-      <a:majorFont>
-        <a:latin typeface="Arial"/>
-        <a:ea typeface=""/>
-        <a:cs typeface=""/>
-        <a:font script="Jpan" typeface="ＭＳ Ｐゴシック"/>
-        <a:font script="Hang" typeface="맑은 고딕"/>
-        <a:font script="Hans" typeface="宋体"/>
-        <a:font script="Hant" typeface="新細明體"/>
-        <a:font script="Arab" typeface="Times New Roman"/>
-        <a:font script="Hebr" typeface="Times New Roman"/>
-        <a:font script="Thai" typeface="Angsana New"/>
-        <a:font script="Ethi" typeface="Nyala"/>
-        <a:font script="Beng" typeface="Vrinda"/>
-        <a:font script="Gujr" typeface="Shruti"/>
-        <a:font script="Khmr" typeface="MoolBoran"/>
-        <a:font script="Knda" typeface="Tunga"/>
-        <a:font script="Guru" typeface="Raavi"/>
-        <a:font script="Cans" typeface="Euphemia"/>
-        <a:font script="Cher" typeface="Plantagenet Cherokee"/>
-        <a:font script="Yiii" typeface="Microsoft Yi Baiti"/>
-        <a:font script="Tibt" typeface="Microsoft Himalaya"/>
-        <a:font script="Thaa" typeface="MV Boli"/>
-        <a:font script="Deva" typeface="Mangal"/>
-        <a:font script="Telu" typeface="Gautami"/>
-        <a:font script="Taml" typeface="Latha"/>
-        <a:font script="Syrc" typeface="Estrangelo Edessa"/>
-        <a:font script="Orya" typeface="Kalinga"/>
-        <a:font script="Mlym" typeface="Kartika"/>
-        <a:font script="Laoo" typeface="DokChampa"/>
-        <a:font script="Sinh" typeface="Iskoola Pota"/>
-        <a:font script="Mong" typeface="Mongolian Baiti"/>
-        <a:font script="Viet" typeface="Times New Roman"/>
-        <a:font script="Uigh" typeface="Microsoft Uighur"/>
-        <a:font script="Geor" typeface="Sylfaen"/>
-      </a:majorFont>
-      <a:minorFont>
-        <a:latin typeface="Arial"/>
-        <a:ea typeface=""/>
-        <a:cs typeface=""/>
-        <a:font script="Jpan" typeface="ＭＳ Ｐゴシック"/>
-        <a:font script="Hang" typeface="맑은 고딕"/>
-        <a:font script="Hans" typeface="宋体"/>
-        <a:font script="Hant" typeface="新細明體"/>
-        <a:font script="Arab" typeface="Arial"/>
-        <a:font script="Hebr" typeface="Arial"/>
-        <a:font script="Thai" typeface="Cordia New"/>
-        <a:font script="Ethi" typeface="Nyala"/>
-        <a:font script="Beng" typeface="Vrinda"/>
-        <a:font script="Gujr" typeface="Shruti"/>
-        <a:font script="Khmr" typeface="DaunPenh"/>
-        <a:font script="Knda" typeface="Tunga"/>
-        <a:font script="Guru" typeface="Raavi"/>
-        <a:font script="Cans" typeface="Euphemia"/>
-        <a:font script="Cher" typeface="Plantagenet Cherokee"/>
-        <a:font script="Yiii" typeface="Microsoft Yi Baiti"/>
-        <a:font script="Tibt" typeface="Microsoft Himalaya"/>
-        <a:font script="Thaa" typeface="MV Boli"/>
-        <a:font script="Deva" typeface="Mangal"/>
-        <a:font script="Telu" typeface="Gautami"/>
-        <a:font script="Taml" typeface="Latha"/>
-        <a:font script="Syrc" typeface="Estrangelo Edessa"/>
-        <a:font script="Orya" typeface="Kalinga"/>
-        <a:font script="Mlym" typeface="Kartika"/>
-        <a:font script="Laoo" typeface="DokChampa"/>
-        <a:font script="Sinh" typeface="Iskoola Pota"/>
-        <a:font script="Mong" typeface="Mongolian Baiti"/>
-        <a:font script="Viet" typeface="Arial"/>
-        <a:font script="Uigh" typeface="Microsoft Uighur"/>
-        <a:font script="Geor" typeface="Sylfaen"/>
-      </a:minorFont>
-    </a:fontScheme>
-    <a:fmtScheme name="Office">
-      <a:fillStyleLst>
-        <a:solidFill>
-          <a:schemeClr val="phClr"/>
-        </a:solidFill>
-        <a:gradFill rotWithShape="1">
-          <a:gsLst>
-            <a:gs pos="0">
-              <a:schemeClr val="phClr">
-                <a:tint val="50000"/>
-                <a:satMod val="300000"/>
-              </a:schemeClr>
-            </a:gs>
-            <a:gs pos="35000">
-              <a:schemeClr val="phClr">
-                <a:tint val="37000"/>
-                <a:satMod val="300000"/>
-              </a:schemeClr>
-            </a:gs>
-            <a:gs pos="100000">
-              <a:schemeClr val="phClr">
-                <a:tint val="15000"/>
-                <a:satMod val="350000"/>
-              </a:schemeClr>
-            </a:gs>
-          </a:gsLst>
-          <a:lin ang="16200000" scaled="1"/>
-        </a:gradFill>
-        <a:gradFill rotWithShape="1">
-          <a:gsLst>
-            <a:gs pos="0">
-              <a:schemeClr val="phClr">
-                <a:tint val="100000"/>
-                <a:shade val="100000"/>
-                <a:satMod val="130000"/>
-              </a:schemeClr>
-            </a:gs>
-            <a:gs pos="100000">
-              <a:schemeClr val="phClr">
-                <a:tint val="50000"/>
-                <a:shade val="100000"/>
-                <a:satMod val="350000"/>
-              </a:schemeClr>
-            </a:gs>
-          </a:gsLst>
-          <a:lin ang="16200000" scaled="0"/>
-        </a:gradFill>
-      </a:fillStyleLst>
-      <a:lnStyleLst>
-        <a:ln w="9525" cap="flat" cmpd="sng" algn="ctr">
-          <a:solidFill>
-            <a:schemeClr val="phClr">
-              <a:shade val="95000"/>
-              <a:satMod val="105000"/>
-            </a:schemeClr>
-          </a:solidFill>
-          <a:prstDash val="solid"/>
-        </a:ln>
-        <a:ln w="25400" cap="flat" cmpd="sng" algn="ctr">
-          <a:solidFill>
-            <a:schemeClr val="phClr"/>
-          </a:solidFill>
-          <a:prstDash val="solid"/>
-        </a:ln>
-        <a:ln w="38100" cap="flat" cmpd="sng" algn="ctr">
-          <a:solidFill>
-            <a:schemeClr val="phClr"/>
-          </a:solidFill>
-          <a:prstDash val="solid"/>
-        </a:ln>
-      </a:lnStyleLst>
-      <a:effectStyleLst>
-        <a:effectStyle>
-          <a:effectLst>
-            <a:outerShdw blurRad="40000" dist="20000" dir="5400000" rotWithShape="0">
-              <a:srgbClr val="000000">
-                <a:alpha val="38000"/>
-              </a:srgbClr>
-            </a:outerShdw>
-          </a:effectLst>
-        </a:effectStyle>
-        <a:effectStyle>
-          <a:effectLst>
-            <a:outerShdw blurRad="40000" dist="23000" dir="5400000" rotWithShape="0">
-              <a:srgbClr val="000000">
-                <a:alpha val="35000"/>
-              </a:srgbClr>
-            </a:outerShdw>
-          </a:effectLst>
-        </a:effectStyle>
-        <a:effectStyle>
-          <a:effectLst>
-            <a:outerShdw blurRad="40000" dist="23000" dir="5400000" rotWithShape="0">
-              <a:srgbClr val="000000">
-                <a:alpha val="35000"/>
-              </a:srgbClr>
-            </a:outerShdw>
-          </a:effectLst>
-          <a:scene3d>
-            <a:camera prst="orthographicFront">
-              <a:rot lat="0" lon="0" rev="0"/>
-            </a:camera>
-            <a:lightRig rig="threePt" dir="t">
-              <a:rot lat="0" lon="0" rev="1200000"/>
-            </a:lightRig>
-          </a:scene3d>
-          <a:sp3d>
-            <a:bevelT w="63500" h="25400"/>
-          </a:sp3d>
-        </a:effectStyle>
-      </a:effectStyleLst>
-      <a:bgFillStyleLst>
-        <a:solidFill>
-          <a:schemeClr val="phClr"/>
-        </a:solidFill>
-        <a:gradFill rotWithShape="1">
-          <a:gsLst>
-            <a:gs pos="0">
-              <a:schemeClr val="phClr">
-                <a:tint val="40000"/>
-                <a:satMod val="350000"/>
-              </a:schemeClr>
-            </a:gs>
-            <a:gs pos="40000">
-              <a:schemeClr val="phClr">
-                <a:tint val="45000"/>
-                <a:shade val="99000"/>
-                <a:satMod val="350000"/>
-              </a:schemeClr>
-            </a:gs>
-            <a:gs pos="100000">
-              <a:schemeClr val="phClr">
-                <a:shade val="20000"/>
-                <a:satMod val="255000"/>
-              </a:schemeClr>
-            </a:gs>
-          </a:gsLst>
-          <a:path path="circle">
-            <a:fillToRect l="50000" t="-80000" r="50000" b="180000"/>
-          </a:path>
-        </a:gradFill>
-        <a:gradFill rotWithShape="1">
-          <a:gsLst>
-            <a:gs pos="0">
-              <a:schemeClr val="phClr">
-                <a:tint val="80000"/>
-                <a:satMod val="300000"/>
-              </a:schemeClr>
-            </a:gs>
-            <a:gs pos="100000">
-              <a:schemeClr val="phClr">
-                <a:shade val="30000"/>
-                <a:satMod val="200000"/>
-              </a:schemeClr>
-            </a:gs>
-          </a:gsLst>
-          <a:path path="circle">
-            <a:fillToRect l="50000" t="50000" r="50000" b="50000"/>
-          </a:path>
-        </a:gradFill>
-      </a:bgFillStyleLst>
-    </a:fmtScheme>
-  </a:themeElements>
-</a:theme>
 </file>